--- a/docs/Slides/Good_Finance_Habits.pptx
+++ b/docs/Slides/Good_Finance_Habits.pptx
@@ -10,9 +10,9 @@
   <p:sldIdLst>
     <p:sldId id="256" r:id="rId3"/>
     <p:sldId id="257" r:id="rId5"/>
-    <p:sldId id="258" r:id="rId6"/>
-    <p:sldId id="259" r:id="rId7"/>
-    <p:sldId id="261" r:id="rId8"/>
+    <p:sldId id="262" r:id="rId6"/>
+    <p:sldId id="258" r:id="rId7"/>
+    <p:sldId id="259" r:id="rId8"/>
     <p:sldId id="260" r:id="rId9"/>
   </p:sldIdLst>
   <p:sldSz cx="12192000" cy="6858000"/>
@@ -1301,125 +1301,279 @@
           <a:bodyPr/>
           <a:lstStyle/>
           <a:p>
-            <a:pPr>
-              <a:lnSpc>
-                <a:spcPct val="107000"/>
-              </a:lnSpc>
-              <a:spcAft>
-                <a:spcPts val="800"/>
-              </a:spcAft>
-            </a:pPr>
+            <a:pPr fontAlgn="base"/>
+            <a:r>
+              <a:rPr lang="en-GB" sz="1800" dirty="0">
+                <a:solidFill>
+                  <a:srgbClr val="000000"/>
+                </a:solidFill>
+                <a:effectLst/>
+                <a:latin typeface="Calibri" panose="020F0502020204030204" pitchFamily="34" charset="0"/>
+                <a:ea typeface="Times New Roman" panose="02020503050405090304" pitchFamily="18" charset="0"/>
+              </a:rPr>
+              <a:t>We have utilised our problem solving skills to identify the problem and interpret the task you have given to solve it.</a:t>
+            </a:r>
             <a:r>
               <a:rPr lang="en-GB" sz="1800" dirty="0">
                 <a:effectLst/>
                 <a:latin typeface="Calibri" panose="020F0502020204030204" pitchFamily="34" charset="0"/>
-                <a:ea typeface="Calibri" panose="020F0502020204030204" pitchFamily="34" charset="0"/>
-                <a:cs typeface="Times New Roman" panose="02020503050405090304" pitchFamily="18" charset="0"/>
-              </a:rPr>
-              <a:t>Working as a team – We aid to utilise our team members’ specialisations and communicate with each other to raise the best ideas to solve problems. We have already had productive discussion, producing the preliminary analysis X (Person who worked on preliminary analysis) elaborated previously. </a:t>
+                <a:ea typeface="Times New Roman" panose="02020503050405090304" pitchFamily="18" charset="0"/>
+              </a:rPr>
+              <a:t>​</a:t>
             </a:r>
             <a:endParaRPr lang="en-GB" sz="1800" dirty="0">
               <a:effectLst/>
-              <a:latin typeface="Calibri" panose="020F0502020204030204" pitchFamily="34" charset="0"/>
-              <a:ea typeface="Calibri" panose="020F0502020204030204" pitchFamily="34" charset="0"/>
-              <a:cs typeface="Times New Roman" panose="02020503050405090304" pitchFamily="18" charset="0"/>
+              <a:latin typeface="Times New Roman" panose="02020503050405090304" pitchFamily="18" charset="0"/>
+              <a:ea typeface="Times New Roman" panose="02020503050405090304" pitchFamily="18" charset="0"/>
             </a:endParaRPr>
           </a:p>
           <a:p>
-            <a:pPr>
-              <a:lnSpc>
-                <a:spcPct val="107000"/>
-              </a:lnSpc>
-              <a:spcAft>
-                <a:spcPts val="800"/>
-              </a:spcAft>
-            </a:pPr>
+            <a:pPr fontAlgn="base"/>
             <a:r>
               <a:rPr lang="en-GB" sz="1800" dirty="0">
                 <a:effectLst/>
                 <a:latin typeface="Calibri" panose="020F0502020204030204" pitchFamily="34" charset="0"/>
-                <a:ea typeface="Calibri" panose="020F0502020204030204" pitchFamily="34" charset="0"/>
-                <a:cs typeface="Times New Roman" panose="02020503050405090304" pitchFamily="18" charset="0"/>
-              </a:rPr>
-              <a:t>Agile Development cycle – We would like to utilise the requirements stage to learn more about how your team handles problems in the real world, to make our specifications based on augmenting your existing teams’ work, hopefully making the system’s introduction more fluent. We aim to run regular sprints, ensuring our progress in on track and meeting requirements. Our Team Leader Callum has already prepared Trello boards which have been useful for sprints made in the process of creating this pitch.</a:t>
+                <a:ea typeface="Times New Roman" panose="02020503050405090304" pitchFamily="18" charset="0"/>
+              </a:rPr>
+              <a:t>​</a:t>
             </a:r>
             <a:endParaRPr lang="en-GB" sz="1800" dirty="0">
               <a:effectLst/>
-              <a:latin typeface="Calibri" panose="020F0502020204030204" pitchFamily="34" charset="0"/>
-              <a:ea typeface="Calibri" panose="020F0502020204030204" pitchFamily="34" charset="0"/>
-              <a:cs typeface="Times New Roman" panose="02020503050405090304" pitchFamily="18" charset="0"/>
+              <a:latin typeface="Times New Roman" panose="02020503050405090304" pitchFamily="18" charset="0"/>
+              <a:ea typeface="Times New Roman" panose="02020503050405090304" pitchFamily="18" charset="0"/>
             </a:endParaRPr>
           </a:p>
           <a:p>
-            <a:pPr>
-              <a:lnSpc>
-                <a:spcPct val="107000"/>
-              </a:lnSpc>
-              <a:spcAft>
-                <a:spcPts val="800"/>
-              </a:spcAft>
-            </a:pPr>
+            <a:pPr fontAlgn="base"/>
+            <a:r>
+              <a:rPr lang="en-GB" sz="1800" dirty="0">
+                <a:solidFill>
+                  <a:srgbClr val="000000"/>
+                </a:solidFill>
+                <a:effectLst/>
+                <a:latin typeface="Calibri" panose="020F0502020204030204" pitchFamily="34" charset="0"/>
+                <a:ea typeface="Times New Roman" panose="02020503050405090304" pitchFamily="18" charset="0"/>
+              </a:rPr>
+              <a:t>The Problem</a:t>
+            </a:r>
             <a:r>
               <a:rPr lang="en-GB" sz="1800" dirty="0">
                 <a:effectLst/>
                 <a:latin typeface="Calibri" panose="020F0502020204030204" pitchFamily="34" charset="0"/>
-                <a:ea typeface="Calibri" panose="020F0502020204030204" pitchFamily="34" charset="0"/>
-                <a:cs typeface="Times New Roman" panose="02020503050405090304" pitchFamily="18" charset="0"/>
-              </a:rPr>
-              <a:t>Time Management – We would like to follow an agile development scheme in allocating time frames to gather requirements, prepare surveys, consider specifications of the system, design the system and develop it. We aim to be flexible on our approximations by suggesting time frames that account for a small amount of delay, especially due to external factors such as </a:t>
-            </a:r>
-            <a:r>
-              <a:rPr lang="en-GB" sz="1800" dirty="0" err="1">
+                <a:ea typeface="Times New Roman" panose="02020503050405090304" pitchFamily="18" charset="0"/>
+              </a:rPr>
+              <a:t>​</a:t>
+            </a:r>
+            <a:endParaRPr lang="en-GB" sz="1800" dirty="0">
+              <a:effectLst/>
+              <a:latin typeface="Times New Roman" panose="02020503050405090304" pitchFamily="18" charset="0"/>
+              <a:ea typeface="Times New Roman" panose="02020503050405090304" pitchFamily="18" charset="0"/>
+            </a:endParaRPr>
+          </a:p>
+          <a:p>
+            <a:pPr fontAlgn="base"/>
+            <a:r>
+              <a:rPr lang="en-GB" sz="1800" dirty="0">
+                <a:solidFill>
+                  <a:srgbClr val="000000"/>
+                </a:solidFill>
                 <a:effectLst/>
                 <a:latin typeface="Calibri" panose="020F0502020204030204" pitchFamily="34" charset="0"/>
-                <a:ea typeface="Calibri" panose="020F0502020204030204" pitchFamily="34" charset="0"/>
-                <a:cs typeface="Times New Roman" panose="02020503050405090304" pitchFamily="18" charset="0"/>
-              </a:rPr>
-              <a:t>Covid</a:t>
-            </a:r>
+                <a:ea typeface="Times New Roman" panose="02020503050405090304" pitchFamily="18" charset="0"/>
+              </a:rPr>
+              <a:t>CVs - They contain useful qualities that we want to extract.</a:t>
+            </a:r>
+            <a:r>
+              <a:rPr lang="en-US" sz="1800" dirty="0">
+                <a:effectLst/>
+                <a:latin typeface="Calibri" panose="020F0502020204030204" pitchFamily="34" charset="0"/>
+                <a:ea typeface="Times New Roman" panose="02020503050405090304" pitchFamily="18" charset="0"/>
+              </a:rPr>
+              <a:t>​</a:t>
+            </a:r>
+            <a:endParaRPr lang="en-GB" sz="1800" dirty="0">
+              <a:effectLst/>
+              <a:latin typeface="Times New Roman" panose="02020503050405090304" pitchFamily="18" charset="0"/>
+              <a:ea typeface="Times New Roman" panose="02020503050405090304" pitchFamily="18" charset="0"/>
+            </a:endParaRPr>
+          </a:p>
+          <a:p>
+            <a:pPr fontAlgn="base"/>
+            <a:r>
+              <a:rPr lang="en-GB" sz="1800" dirty="0">
+                <a:solidFill>
+                  <a:srgbClr val="000000"/>
+                </a:solidFill>
+                <a:effectLst/>
+                <a:latin typeface="Calibri" panose="020F0502020204030204" pitchFamily="34" charset="0"/>
+                <a:ea typeface="Times New Roman" panose="02020503050405090304" pitchFamily="18" charset="0"/>
+              </a:rPr>
+              <a:t>Natural Language – CVs don’t simply use set answers to our queries, we need to process meaning.</a:t>
+            </a:r>
+            <a:r>
+              <a:rPr lang="en-US" sz="1800" dirty="0">
+                <a:effectLst/>
+                <a:latin typeface="Calibri" panose="020F0502020204030204" pitchFamily="34" charset="0"/>
+                <a:ea typeface="Times New Roman" panose="02020503050405090304" pitchFamily="18" charset="0"/>
+              </a:rPr>
+              <a:t>​</a:t>
+            </a:r>
+            <a:endParaRPr lang="en-GB" sz="1800" dirty="0">
+              <a:effectLst/>
+              <a:latin typeface="Times New Roman" panose="02020503050405090304" pitchFamily="18" charset="0"/>
+              <a:ea typeface="Times New Roman" panose="02020503050405090304" pitchFamily="18" charset="0"/>
+            </a:endParaRPr>
+          </a:p>
+          <a:p>
+            <a:pPr fontAlgn="base"/>
+            <a:r>
+              <a:rPr lang="en-GB" sz="1800" dirty="0">
+                <a:solidFill>
+                  <a:srgbClr val="000000"/>
+                </a:solidFill>
+                <a:effectLst/>
+                <a:latin typeface="Calibri" panose="020F0502020204030204" pitchFamily="34" charset="0"/>
+                <a:ea typeface="Times New Roman" panose="02020503050405090304" pitchFamily="18" charset="0"/>
+              </a:rPr>
+              <a:t>Teams - They must be made-up of particular qualities to cover all team aspects; a system is required to identify and allocate said roles.</a:t>
+            </a:r>
+            <a:r>
+              <a:rPr lang="en-US" sz="1800" dirty="0">
+                <a:effectLst/>
+                <a:latin typeface="Calibri" panose="020F0502020204030204" pitchFamily="34" charset="0"/>
+                <a:ea typeface="Times New Roman" panose="02020503050405090304" pitchFamily="18" charset="0"/>
+              </a:rPr>
+              <a:t>​</a:t>
+            </a:r>
+            <a:endParaRPr lang="en-GB" sz="1800" dirty="0">
+              <a:effectLst/>
+              <a:latin typeface="Times New Roman" panose="02020503050405090304" pitchFamily="18" charset="0"/>
+              <a:ea typeface="Times New Roman" panose="02020503050405090304" pitchFamily="18" charset="0"/>
+            </a:endParaRPr>
+          </a:p>
+          <a:p>
+            <a:pPr fontAlgn="base"/>
             <a:r>
               <a:rPr lang="en-GB" sz="1800" dirty="0">
                 <a:effectLst/>
                 <a:latin typeface="Calibri" panose="020F0502020204030204" pitchFamily="34" charset="0"/>
-                <a:ea typeface="Calibri" panose="020F0502020204030204" pitchFamily="34" charset="0"/>
-                <a:cs typeface="Times New Roman" panose="02020503050405090304" pitchFamily="18" charset="0"/>
-              </a:rPr>
-              <a:t>. </a:t>
+                <a:ea typeface="Times New Roman" panose="02020503050405090304" pitchFamily="18" charset="0"/>
+              </a:rPr>
+              <a:t>​</a:t>
             </a:r>
             <a:endParaRPr lang="en-GB" sz="1800" dirty="0">
               <a:effectLst/>
-              <a:latin typeface="Calibri" panose="020F0502020204030204" pitchFamily="34" charset="0"/>
-              <a:ea typeface="Calibri" panose="020F0502020204030204" pitchFamily="34" charset="0"/>
-              <a:cs typeface="Times New Roman" panose="02020503050405090304" pitchFamily="18" charset="0"/>
+              <a:latin typeface="Times New Roman" panose="02020503050405090304" pitchFamily="18" charset="0"/>
+              <a:ea typeface="Times New Roman" panose="02020503050405090304" pitchFamily="18" charset="0"/>
             </a:endParaRPr>
           </a:p>
           <a:p>
-            <a:pPr>
-              <a:lnSpc>
-                <a:spcPct val="107000"/>
-              </a:lnSpc>
-              <a:spcAft>
-                <a:spcPts val="800"/>
-              </a:spcAft>
-            </a:pPr>
+            <a:pPr fontAlgn="base"/>
             <a:r>
               <a:rPr lang="en-GB" sz="1800" dirty="0">
+                <a:solidFill>
+                  <a:srgbClr val="000000"/>
+                </a:solidFill>
                 <a:effectLst/>
                 <a:latin typeface="Calibri" panose="020F0502020204030204" pitchFamily="34" charset="0"/>
-                <a:ea typeface="Calibri" panose="020F0502020204030204" pitchFamily="34" charset="0"/>
-                <a:cs typeface="Times New Roman" panose="02020503050405090304" pitchFamily="18" charset="0"/>
-              </a:rPr>
-              <a:t>Communicate with you - X (The person who worked on preliminary analysis) briefly mentioned how our idea for a solution would automate and augment the mix and matching task that your company makes every day. Given the opportunity in the requirements stage, we would like to gain insight on the processes we believe we are going to be automating and augmenting to best suit the system to your needs.</a:t>
+                <a:ea typeface="Times New Roman" panose="02020503050405090304" pitchFamily="18" charset="0"/>
+              </a:rPr>
+              <a:t>The Solution</a:t>
+            </a:r>
+            <a:r>
+              <a:rPr lang="en-US" sz="1800" dirty="0">
+                <a:effectLst/>
+                <a:latin typeface="Calibri" panose="020F0502020204030204" pitchFamily="34" charset="0"/>
+                <a:ea typeface="Times New Roman" panose="02020503050405090304" pitchFamily="18" charset="0"/>
+              </a:rPr>
+              <a:t>​</a:t>
             </a:r>
             <a:endParaRPr lang="en-GB" sz="1800" dirty="0">
               <a:effectLst/>
+              <a:latin typeface="Times New Roman" panose="02020503050405090304" pitchFamily="18" charset="0"/>
+              <a:ea typeface="Times New Roman" panose="02020503050405090304" pitchFamily="18" charset="0"/>
+            </a:endParaRPr>
+          </a:p>
+          <a:p>
+            <a:pPr fontAlgn="base"/>
+            <a:r>
+              <a:rPr lang="en-GB" sz="1800" dirty="0">
+                <a:solidFill>
+                  <a:srgbClr val="000000"/>
+                </a:solidFill>
+                <a:effectLst/>
+                <a:latin typeface="Calibri" panose="020F0502020204030204" pitchFamily="34" charset="0"/>
+                <a:ea typeface="Times New Roman" panose="02020503050405090304" pitchFamily="18" charset="0"/>
+              </a:rPr>
+              <a:t>CV Processing – A system needs a set of rules to search through a CV for important information.</a:t>
+            </a:r>
+            <a:r>
+              <a:rPr lang="en-US" sz="1800" dirty="0">
+                <a:effectLst/>
+                <a:latin typeface="Calibri" panose="020F0502020204030204" pitchFamily="34" charset="0"/>
+                <a:ea typeface="Times New Roman" panose="02020503050405090304" pitchFamily="18" charset="0"/>
+              </a:rPr>
+              <a:t>​ Implementing such a system would automate the process of reading and understanding CVs, a process which currently requires industrious effort.</a:t>
+            </a:r>
+            <a:endParaRPr lang="en-US" sz="1800" dirty="0">
+              <a:effectLst/>
               <a:latin typeface="Calibri" panose="020F0502020204030204" pitchFamily="34" charset="0"/>
-              <a:ea typeface="Calibri" panose="020F0502020204030204" pitchFamily="34" charset="0"/>
-              <a:cs typeface="Times New Roman" panose="02020503050405090304" pitchFamily="18" charset="0"/>
+              <a:ea typeface="Times New Roman" panose="02020503050405090304" pitchFamily="18" charset="0"/>
             </a:endParaRPr>
           </a:p>
           <a:p>
-            <a:endParaRPr lang="en-GB" dirty="0"/>
+            <a:pPr fontAlgn="base"/>
+            <a:r>
+              <a:rPr lang="en-GB" sz="1800" dirty="0">
+                <a:solidFill>
+                  <a:srgbClr val="000000"/>
+                </a:solidFill>
+                <a:effectLst/>
+                <a:latin typeface="Calibri" panose="020F0502020204030204" pitchFamily="34" charset="0"/>
+                <a:ea typeface="Times New Roman" panose="02020503050405090304" pitchFamily="18" charset="0"/>
+              </a:rPr>
+              <a:t>Synonym Translation – A system needs to capable of understanding what key points made on the CV mean, referring to a data bank or even a trained AI, given enough data from your work.</a:t>
+            </a:r>
+            <a:r>
+              <a:rPr lang="en-US" sz="1800" dirty="0">
+                <a:effectLst/>
+                <a:latin typeface="Calibri" panose="020F0502020204030204" pitchFamily="34" charset="0"/>
+                <a:ea typeface="Times New Roman" panose="02020503050405090304" pitchFamily="18" charset="0"/>
+              </a:rPr>
+              <a:t>​ </a:t>
+            </a:r>
+            <a:endParaRPr lang="en-GB" sz="1800" dirty="0">
+              <a:effectLst/>
+              <a:latin typeface="Times New Roman" panose="02020503050405090304" pitchFamily="18" charset="0"/>
+              <a:ea typeface="Times New Roman" panose="02020503050405090304" pitchFamily="18" charset="0"/>
+            </a:endParaRPr>
+          </a:p>
+          <a:p>
+            <a:pPr fontAlgn="base"/>
+            <a:r>
+              <a:rPr lang="en-GB" sz="1800" dirty="0">
+                <a:solidFill>
+                  <a:srgbClr val="000000"/>
+                </a:solidFill>
+                <a:effectLst/>
+                <a:latin typeface="Calibri" panose="020F0502020204030204" pitchFamily="34" charset="0"/>
+                <a:ea typeface="Times New Roman" panose="02020503050405090304" pitchFamily="18" charset="0"/>
+              </a:rPr>
+              <a:t>Mix and Match Strategy – A system needs to be designed to form teams, consisting of graduates, based on their qualities. An object oriented model could easily portray the algorithm required.</a:t>
+            </a:r>
+            <a:endParaRPr lang="en-GB" sz="1800" dirty="0">
+              <a:effectLst/>
+              <a:latin typeface="Times New Roman" panose="02020503050405090304" pitchFamily="18" charset="0"/>
+              <a:ea typeface="Times New Roman" panose="02020503050405090304" pitchFamily="18" charset="0"/>
+            </a:endParaRPr>
+          </a:p>
+          <a:p>
+            <a:pPr fontAlgn="base"/>
+            <a:endParaRPr lang="en-GB" sz="1800" dirty="0">
+              <a:effectLst/>
+              <a:latin typeface="Times New Roman" panose="02020503050405090304" pitchFamily="18" charset="0"/>
+              <a:ea typeface="Times New Roman" panose="02020503050405090304" pitchFamily="18" charset="0"/>
+            </a:endParaRPr>
           </a:p>
         </p:txBody>
       </p:sp>
@@ -4698,7 +4852,67 @@
           </a:p>
         </p:txBody>
       </p:sp>
+      <p:sp>
+        <p:nvSpPr>
+          <p:cNvPr id="4" name="文本框 3"/>
+          <p:cNvSpPr txBox="1"/>
+          <p:nvPr/>
+        </p:nvSpPr>
+        <p:spPr>
+          <a:xfrm>
+            <a:off x="720090" y="2721610"/>
+            <a:ext cx="6492240" cy="583565"/>
+          </a:xfrm>
+          <a:prstGeom prst="rect">
+            <a:avLst/>
+          </a:prstGeom>
+          <a:noFill/>
+        </p:spPr>
+        <p:txBody>
+          <a:bodyPr wrap="square" rtlCol="0">
+            <a:spAutoFit/>
+            <a:scene3d>
+              <a:camera prst="orthographicFront"/>
+              <a:lightRig rig="threePt" dir="t"/>
+            </a:scene3d>
+          </a:bodyPr>
+          <a:p>
+            <a:r>
+              <a:rPr lang="en-US" altLang="zh-CN" sz="3200">
+                <a:ln/>
+                <a:solidFill>
+                  <a:schemeClr val="bg1"/>
+                </a:solidFill>
+                <a:effectLst>
+                  <a:outerShdw blurRad="38100" dist="19050" dir="2700000" algn="tl" rotWithShape="0">
+                    <a:schemeClr val="dk1">
+                      <a:alpha val="40000"/>
+                    </a:schemeClr>
+                  </a:outerShdw>
+                </a:effectLst>
+              </a:rPr>
+              <a:t>Captial One: Good Fiance Habits</a:t>
+            </a:r>
+            <a:endParaRPr lang="en-US" altLang="zh-CN" sz="3200">
+              <a:ln/>
+              <a:solidFill>
+                <a:schemeClr val="bg1"/>
+              </a:solidFill>
+              <a:effectLst>
+                <a:outerShdw blurRad="38100" dist="19050" dir="2700000" algn="tl" rotWithShape="0">
+                  <a:schemeClr val="dk1">
+                    <a:alpha val="40000"/>
+                  </a:schemeClr>
+                </a:outerShdw>
+              </a:effectLst>
+            </a:endParaRPr>
+          </a:p>
+        </p:txBody>
+      </p:sp>
     </p:spTree>
+    <p:custDataLst>
+      <p:tags r:id="rId1"/>
+    </p:custDataLst>
   </p:cSld>
   <p:clrMapOvr>
     <a:masterClrMapping/>
@@ -5345,7 +5559,7 @@
           <a:p>
             <a:r>
               <a:rPr lang="en-US" altLang="en-GB" dirty="0"/>
-              <a:t>Relevant Skills</a:t>
+              <a:t>Analysis and Approach</a:t>
             </a:r>
             <a:endParaRPr lang="en-US" altLang="en-GB" dirty="0"/>
           </a:p>
@@ -5364,52 +5578,58 @@
         <p:spPr/>
         <p:txBody>
           <a:bodyPr>
-            <a:normAutofit lnSpcReduction="10000"/>
+            <a:normAutofit fontScale="40000"/>
           </a:bodyPr>
           <a:lstStyle/>
           <a:p>
             <a:pPr marL="0" indent="0">
               <a:buNone/>
             </a:pPr>
+            <a:endParaRPr lang="en-US" altLang="en-GB" dirty="0"/>
+          </a:p>
+          <a:p>
+            <a:pPr marL="0" indent="0">
+              <a:buNone/>
+            </a:pPr>
             <a:r>
               <a:rPr lang="en-US" altLang="en-GB" dirty="0"/>
-              <a:t>Technical Skills</a:t>
-            </a:r>
-            <a:endParaRPr lang="en-GB" dirty="0"/>
+              <a:t>The problem:</a:t>
+            </a:r>
+            <a:endParaRPr lang="en-US" altLang="en-GB" dirty="0"/>
           </a:p>
           <a:p>
             <a:r>
               <a:rPr lang="en-US" altLang="en-GB" dirty="0"/>
-              <a:t>Database design and SQL</a:t>
-            </a:r>
-            <a:endParaRPr lang="en-GB" dirty="0"/>
+              <a:t>COVID-19 pandemic caused financial instability.</a:t>
+            </a:r>
+            <a:endParaRPr lang="en-US" altLang="en-GB" dirty="0"/>
           </a:p>
           <a:p>
             <a:r>
               <a:rPr lang="en-US" altLang="en-GB" dirty="0"/>
-              <a:t>Experience in front-end and back-end development</a:t>
-            </a:r>
-            <a:endParaRPr lang="en-GB" dirty="0"/>
+              <a:t>Not everyone can pay bills with direct debit.</a:t>
+            </a:r>
+            <a:endParaRPr lang="en-US" altLang="en-GB" dirty="0"/>
           </a:p>
           <a:p>
             <a:r>
               <a:rPr lang="en-US" altLang="en-GB" dirty="0"/>
-              <a:t>Understanding of software development cycle and methodolgy</a:t>
+              <a:t>Team must show relevant skills to create an app.</a:t>
             </a:r>
             <a:endParaRPr lang="en-US" altLang="en-GB" dirty="0"/>
           </a:p>
           <a:p>
             <a:r>
               <a:rPr lang="en-US" altLang="en-GB" dirty="0"/>
-              <a:t>UX(UI) design experience</a:t>
-            </a:r>
-            <a:endParaRPr lang="en-GB" dirty="0"/>
+              <a:t>Clear team roles in development.</a:t>
+            </a:r>
+            <a:endParaRPr lang="en-US" altLang="en-GB" dirty="0"/>
           </a:p>
           <a:p>
             <a:pPr marL="0" indent="0">
               <a:buNone/>
             </a:pPr>
-            <a:endParaRPr lang="en-GB" dirty="0"/>
+            <a:endParaRPr lang="en-US" altLang="en-GB" dirty="0"/>
           </a:p>
           <a:p>
             <a:pPr marL="0" indent="0">
@@ -5417,23 +5637,74 @@
             </a:pPr>
             <a:r>
               <a:rPr lang="en-US" altLang="en-GB" dirty="0"/>
-              <a:t>Soft Skills</a:t>
-            </a:r>
-            <a:endParaRPr lang="en-GB" dirty="0"/>
+              <a:t>The solution:</a:t>
+            </a:r>
+            <a:endParaRPr lang="en-US" altLang="en-GB" dirty="0"/>
           </a:p>
           <a:p>
             <a:r>
               <a:rPr lang="en-US" altLang="en-GB" dirty="0"/>
-              <a:t>Various group work experience</a:t>
+              <a:t>App with a regular financial reminder system.</a:t>
             </a:r>
             <a:endParaRPr lang="en-US" altLang="en-GB" dirty="0"/>
           </a:p>
           <a:p>
             <a:r>
               <a:rPr lang="en-US" altLang="en-GB" dirty="0"/>
-              <a:t>Leadership skills</a:t>
-            </a:r>
-            <a:endParaRPr lang="en-GB" dirty="0"/>
+              <a:t>App that helps improve finance habits.</a:t>
+            </a:r>
+            <a:endParaRPr lang="en-US" altLang="en-GB" dirty="0"/>
+          </a:p>
+          <a:p>
+            <a:r>
+              <a:rPr lang="en-US" altLang="en-GB" dirty="0"/>
+              <a:t>Secure and safe data store in app.</a:t>
+            </a:r>
+            <a:endParaRPr lang="en-US" altLang="en-GB" dirty="0"/>
+          </a:p>
+          <a:p>
+            <a:pPr marL="0" indent="0">
+              <a:buNone/>
+            </a:pPr>
+            <a:endParaRPr lang="en-US" altLang="en-GB" dirty="0"/>
+          </a:p>
+          <a:p>
+            <a:pPr marL="0" indent="0">
+              <a:buNone/>
+            </a:pPr>
+            <a:r>
+              <a:rPr lang="en-US" altLang="en-GB" dirty="0"/>
+              <a:t>Tools that will be used:</a:t>
+            </a:r>
+            <a:endParaRPr lang="en-US" altLang="en-GB" dirty="0"/>
+          </a:p>
+          <a:p>
+            <a:r>
+              <a:rPr lang="en-US" altLang="en-GB" dirty="0"/>
+              <a:t>Gitlab,</a:t>
+            </a:r>
+            <a:endParaRPr lang="en-US" altLang="en-GB" dirty="0"/>
+          </a:p>
+          <a:p>
+            <a:r>
+              <a:rPr lang="en-US" altLang="en-GB" dirty="0"/>
+              <a:t>Java, Junit, Joda Time.</a:t>
+            </a:r>
+            <a:endParaRPr lang="en-US" altLang="en-GB" dirty="0"/>
+          </a:p>
+          <a:p>
+            <a:r>
+              <a:rPr lang="en-US" altLang="en-GB" dirty="0"/>
+              <a:t>Visual Paradigms.</a:t>
+            </a:r>
+            <a:endParaRPr lang="en-US" altLang="en-GB" dirty="0"/>
+          </a:p>
+          <a:p>
+            <a:r>
+              <a:rPr lang="en-US" altLang="en-GB" dirty="0"/>
+              <a:t>Trello.</a:t>
+            </a:r>
+            <a:endParaRPr lang="en-US" altLang="en-GB" dirty="0"/>
           </a:p>
           <a:p>
             <a:endParaRPr lang="en-GB" dirty="0"/>
@@ -5478,17 +5749,164 @@
             <p:ph type="title"/>
           </p:nvPr>
         </p:nvSpPr>
+        <p:spPr>
+          <a:xfrm>
+            <a:off x="496684" y="163435"/>
+            <a:ext cx="7083829" cy="1325563"/>
+          </a:xfrm>
+        </p:spPr>
+        <p:txBody>
+          <a:bodyPr/>
+          <a:lstStyle/>
+          <a:p>
+            <a:r>
+              <a:rPr lang="en-US" altLang="en-GB" dirty="0"/>
+              <a:t>Relevant Skills</a:t>
+            </a:r>
+            <a:endParaRPr lang="en-US" altLang="en-GB" dirty="0"/>
+          </a:p>
+        </p:txBody>
+      </p:sp>
+      <p:sp>
+        <p:nvSpPr>
+          <p:cNvPr id="3" name="Content Placeholder 2"/>
+          <p:cNvSpPr>
+            <a:spLocks noGrp="1"/>
+          </p:cNvSpPr>
+          <p:nvPr>
+            <p:ph idx="1"/>
+          </p:nvPr>
+        </p:nvSpPr>
         <p:spPr/>
         <p:txBody>
-          <a:bodyPr/>
-          <a:lstStyle/>
-          <a:p>
+          <a:bodyPr>
+            <a:normAutofit lnSpcReduction="10000"/>
+          </a:bodyPr>
+          <a:lstStyle/>
+          <a:p>
+            <a:pPr marL="0" indent="0">
+              <a:buNone/>
+            </a:pPr>
             <a:r>
               <a:rPr lang="en-US" altLang="en-GB" dirty="0"/>
-              <a:t>Project management</a:t>
+              <a:t>Technical Skills</a:t>
+            </a:r>
+            <a:endParaRPr lang="en-GB" dirty="0"/>
+          </a:p>
+          <a:p>
+            <a:r>
+              <a:rPr lang="en-US" altLang="en-GB" dirty="0"/>
+              <a:t>Database design and SQL</a:t>
+            </a:r>
+            <a:endParaRPr lang="en-GB" dirty="0"/>
+          </a:p>
+          <a:p>
+            <a:r>
+              <a:rPr lang="en-US" altLang="en-GB" dirty="0"/>
+              <a:t>Experience in front-end and back-end development</a:t>
+            </a:r>
+            <a:endParaRPr lang="en-GB" dirty="0"/>
+          </a:p>
+          <a:p>
+            <a:r>
+              <a:rPr lang="en-US" altLang="en-GB" dirty="0"/>
+              <a:t>Understanding of software development cycle and methodolgy</a:t>
             </a:r>
             <a:endParaRPr lang="en-US" altLang="en-GB" dirty="0"/>
           </a:p>
+          <a:p>
+            <a:r>
+              <a:rPr lang="en-US" altLang="en-GB" dirty="0"/>
+              <a:t>UX(UI) design experience</a:t>
+            </a:r>
+            <a:endParaRPr lang="en-GB" dirty="0"/>
+          </a:p>
+          <a:p>
+            <a:pPr marL="0" indent="0">
+              <a:buNone/>
+            </a:pPr>
+            <a:endParaRPr lang="en-GB" dirty="0"/>
+          </a:p>
+          <a:p>
+            <a:pPr marL="0" indent="0">
+              <a:buNone/>
+            </a:pPr>
+            <a:r>
+              <a:rPr lang="en-US" altLang="en-GB" dirty="0"/>
+              <a:t>Soft Skills</a:t>
+            </a:r>
+            <a:endParaRPr lang="en-GB" dirty="0"/>
+          </a:p>
+          <a:p>
+            <a:r>
+              <a:rPr lang="en-US" altLang="en-GB" dirty="0"/>
+              <a:t>Various group work experience</a:t>
+            </a:r>
+            <a:endParaRPr lang="en-US" altLang="en-GB" dirty="0"/>
+          </a:p>
+          <a:p>
+            <a:r>
+              <a:rPr lang="en-US" altLang="en-GB" dirty="0"/>
+              <a:t>Leadership skills</a:t>
+            </a:r>
+            <a:endParaRPr lang="en-GB" dirty="0"/>
+          </a:p>
+          <a:p>
+            <a:endParaRPr lang="en-GB" dirty="0"/>
+          </a:p>
+          <a:p>
+            <a:endParaRPr lang="en-GB" dirty="0"/>
+          </a:p>
+        </p:txBody>
+      </p:sp>
+    </p:spTree>
+  </p:cSld>
+  <p:clrMapOvr>
+    <a:masterClrMapping/>
+  </p:clrMapOvr>
+</p:sld>
+</file>
+
+<file path=ppt/slides/slide5.xml><?xml version="1.0" encoding="utf-8"?>
+<p:sld xmlns:a="http://schemas.openxmlformats.org/drawingml/2006/main" xmlns:r="http://schemas.openxmlformats.org/officeDocument/2006/relationships" xmlns:p="http://schemas.openxmlformats.org/presentationml/2006/main">
+  <p:cSld>
+    <p:spTree>
+      <p:nvGrpSpPr>
+        <p:cNvPr id="1" name=""/>
+        <p:cNvGrpSpPr/>
+        <p:nvPr/>
+      </p:nvGrpSpPr>
+      <p:grpSpPr>
+        <a:xfrm>
+          <a:off x="0" y="0"/>
+          <a:ext cx="0" cy="0"/>
+          <a:chOff x="0" y="0"/>
+          <a:chExt cx="0" cy="0"/>
+        </a:xfrm>
+      </p:grpSpPr>
+      <p:sp>
+        <p:nvSpPr>
+          <p:cNvPr id="2" name="Title 1"/>
+          <p:cNvSpPr>
+            <a:spLocks noGrp="1"/>
+          </p:cNvSpPr>
+          <p:nvPr>
+            <p:ph type="title"/>
+          </p:nvPr>
+        </p:nvSpPr>
+        <p:spPr/>
+        <p:txBody>
+          <a:bodyPr>
+            <a:normAutofit fontScale="90000"/>
+          </a:bodyPr>
+          <a:lstStyle/>
+          <a:p>
+            <a:r>
+              <a:rPr lang="en-US" altLang="en-GB" dirty="0"/>
+              <a:t>Project management &amp; Commercial Awareness</a:t>
+            </a:r>
+            <a:endParaRPr lang="en-US" altLang="en-GB" dirty="0"/>
+          </a:p>
         </p:txBody>
       </p:sp>
       <p:sp>
@@ -5501,9 +5919,16 @@
             <p:ph idx="1"/>
           </p:nvPr>
         </p:nvSpPr>
-        <p:spPr/>
-        <p:txBody>
-          <a:bodyPr/>
+        <p:spPr>
+          <a:xfrm>
+            <a:off x="496570" y="1510030"/>
+            <a:ext cx="7084060" cy="5211445"/>
+          </a:xfrm>
+        </p:spPr>
+        <p:txBody>
+          <a:bodyPr>
+            <a:normAutofit fontScale="80000"/>
+          </a:bodyPr>
           <a:lstStyle/>
           <a:p>
             <a:pPr marL="0" indent="0">
@@ -5550,116 +5975,64 @@
               </a:rPr>
               <a:t>Development (test and release): 10 weeks</a:t>
             </a:r>
+            <a:endParaRPr lang="en-US" altLang="en-GB" dirty="0">
+              <a:sym typeface="+mn-ea"/>
+            </a:endParaRPr>
+          </a:p>
+          <a:p>
+            <a:pPr marL="0" indent="0">
+              <a:buNone/>
+            </a:pPr>
+            <a:endParaRPr lang="en-US" altLang="en-GB" dirty="0">
+              <a:sym typeface="+mn-ea"/>
+            </a:endParaRPr>
+          </a:p>
+          <a:p>
+            <a:pPr marL="0" indent="0">
+              <a:buNone/>
+            </a:pPr>
+            <a:r>
+              <a:rPr lang="en-US" altLang="en-GB" dirty="0">
+                <a:sym typeface="+mn-ea"/>
+              </a:rPr>
+              <a:t>What competitiors has</a:t>
+            </a:r>
             <a:endParaRPr lang="en-US" altLang="en-GB" dirty="0"/>
           </a:p>
           <a:p>
+            <a:r>
+              <a:rPr lang="en-US" altLang="en-GB" dirty="0">
+                <a:sym typeface="+mn-ea"/>
+              </a:rPr>
+              <a:t>show the expenses, transaction categories and estimated income,</a:t>
+            </a:r>
             <a:endParaRPr lang="en-US" altLang="en-GB" dirty="0"/>
           </a:p>
-        </p:txBody>
-      </p:sp>
-      <p:grpSp>
-        <p:nvGrpSpPr>
-          <p:cNvPr id="35" name="Group 34"/>
-          <p:cNvGrpSpPr/>
-          <p:nvPr/>
-        </p:nvGrpSpPr>
-        <p:grpSpPr>
-          <a:xfrm>
-            <a:off x="2549698" y="4028336"/>
-            <a:ext cx="3152502" cy="2412274"/>
-            <a:chOff x="2883073" y="4138814"/>
-            <a:chExt cx="3152502" cy="2412274"/>
-          </a:xfrm>
-        </p:grpSpPr>
-        <p:sp>
-          <p:nvSpPr>
-            <p:cNvPr id="16" name="Arrow: Circular 15"/>
-            <p:cNvSpPr/>
-            <p:nvPr/>
-          </p:nvSpPr>
-          <p:spPr>
-            <a:xfrm rot="1884295">
-              <a:off x="2883073" y="4138814"/>
-              <a:ext cx="3152502" cy="2412274"/>
-            </a:xfrm>
-            <a:prstGeom prst="circularArrow">
-              <a:avLst>
-                <a:gd name="adj1" fmla="val 16691"/>
-                <a:gd name="adj2" fmla="val 1622701"/>
-                <a:gd name="adj3" fmla="val 13585295"/>
-                <a:gd name="adj4" fmla="val 12030347"/>
-                <a:gd name="adj5" fmla="val 16082"/>
-              </a:avLst>
-            </a:prstGeom>
-          </p:spPr>
-          <p:style>
-            <a:lnRef idx="2">
-              <a:schemeClr val="accent3">
-                <a:shade val="50000"/>
-              </a:schemeClr>
-            </a:lnRef>
-            <a:fillRef idx="1">
-              <a:schemeClr val="accent3"/>
-            </a:fillRef>
-            <a:effectRef idx="0">
-              <a:schemeClr val="accent3"/>
-            </a:effectRef>
-            <a:fontRef idx="minor">
-              <a:schemeClr val="lt1"/>
-            </a:fontRef>
-          </p:style>
-          <p:txBody>
-            <a:bodyPr rtlCol="0" anchor="ctr"/>
-            <a:lstStyle/>
-            <a:p>
-              <a:pPr algn="ctr"/>
-              <a:endParaRPr lang="en-GB" dirty="0">
+          <a:p>
+            <a:r>
+              <a:rPr lang="en-US" altLang="en-GB" dirty="0">
+                <a:sym typeface="+mn-ea"/>
+              </a:rPr>
+              <a:t>manage your payments, subscriptions and pay-outs to the bank</a:t>
+            </a:r>
+            <a:endParaRPr lang="en-US" altLang="en-GB" dirty="0">
+              <a:sym typeface="+mn-ea"/>
+            </a:endParaRPr>
+          </a:p>
+          <a:p>
+            <a:r>
+              <a:rPr lang="en-US" altLang="en-GB" dirty="0">
                 <a:solidFill>
-                  <a:schemeClr val="tx1"/>
+                  <a:srgbClr val="FFFF00"/>
                 </a:solidFill>
-              </a:endParaRPr>
-            </a:p>
-          </p:txBody>
-        </p:sp>
-        <p:sp>
-          <p:nvSpPr>
-            <p:cNvPr id="24" name="TextBox 23"/>
-            <p:cNvSpPr txBox="1"/>
-            <p:nvPr/>
-          </p:nvSpPr>
-          <p:spPr>
-            <a:xfrm>
-              <a:off x="3711982" y="4298769"/>
-              <a:ext cx="1108770" cy="261610"/>
-            </a:xfrm>
-            <a:prstGeom prst="rect">
-              <a:avLst/>
-            </a:prstGeom>
-            <a:noFill/>
-          </p:spPr>
-          <p:txBody>
-            <a:bodyPr wrap="square" rtlCol="0">
-              <a:spAutoFit/>
-            </a:bodyPr>
-            <a:lstStyle/>
-            <a:p>
-              <a:r>
-                <a:rPr lang="en-GB" sz="1050" dirty="0">
-                  <a:solidFill>
-                    <a:schemeClr val="bg1"/>
-                  </a:solidFill>
-                </a:rPr>
-                <a:t>Requirements</a:t>
-              </a:r>
-              <a:endParaRPr lang="en-GB" sz="1050" dirty="0">
-                <a:solidFill>
-                  <a:schemeClr val="bg1"/>
-                </a:solidFill>
-              </a:endParaRPr>
-            </a:p>
-          </p:txBody>
-        </p:sp>
-      </p:grpSp>
+                <a:sym typeface="+mn-ea"/>
+              </a:rPr>
+              <a:t>None of them offer reminders and explicitly help improve finance habits</a:t>
+            </a:r>
+            <a:endParaRPr lang="en-US" altLang="en-GB" dirty="0"/>
+          </a:p>
+        </p:txBody>
+      </p:sp>
       <p:grpSp>
         <p:nvGrpSpPr>
           <p:cNvPr id="36" name="Group 35"/>
@@ -5866,315 +6239,6 @@
           </p:txBody>
         </p:sp>
       </p:grpSp>
-      <p:grpSp>
-        <p:nvGrpSpPr>
-          <p:cNvPr id="38" name="Group 37"/>
-          <p:cNvGrpSpPr/>
-          <p:nvPr/>
-        </p:nvGrpSpPr>
-        <p:grpSpPr>
-          <a:xfrm>
-            <a:off x="2077859" y="3928983"/>
-            <a:ext cx="3152502" cy="2412274"/>
-            <a:chOff x="2411234" y="4039461"/>
-            <a:chExt cx="3152502" cy="2412274"/>
-          </a:xfrm>
-        </p:grpSpPr>
-        <p:sp>
-          <p:nvSpPr>
-            <p:cNvPr id="10" name="Arrow: Circular 9"/>
-            <p:cNvSpPr/>
-            <p:nvPr/>
-          </p:nvSpPr>
-          <p:spPr>
-            <a:xfrm rot="12515624">
-              <a:off x="2411234" y="4039461"/>
-              <a:ext cx="3152502" cy="2412274"/>
-            </a:xfrm>
-            <a:prstGeom prst="circularArrow">
-              <a:avLst>
-                <a:gd name="adj1" fmla="val 16691"/>
-                <a:gd name="adj2" fmla="val 1622701"/>
-                <a:gd name="adj3" fmla="val 13585295"/>
-                <a:gd name="adj4" fmla="val 12030347"/>
-                <a:gd name="adj5" fmla="val 16082"/>
-              </a:avLst>
-            </a:prstGeom>
-          </p:spPr>
-          <p:style>
-            <a:lnRef idx="2">
-              <a:schemeClr val="accent3">
-                <a:shade val="50000"/>
-              </a:schemeClr>
-            </a:lnRef>
-            <a:fillRef idx="1">
-              <a:schemeClr val="accent3"/>
-            </a:fillRef>
-            <a:effectRef idx="0">
-              <a:schemeClr val="accent3"/>
-            </a:effectRef>
-            <a:fontRef idx="minor">
-              <a:schemeClr val="lt1"/>
-            </a:fontRef>
-          </p:style>
-          <p:txBody>
-            <a:bodyPr rtlCol="0" anchor="ctr"/>
-            <a:lstStyle/>
-            <a:p>
-              <a:pPr algn="ctr"/>
-              <a:endParaRPr lang="en-GB" dirty="0">
-                <a:solidFill>
-                  <a:schemeClr val="tx1"/>
-                </a:solidFill>
-              </a:endParaRPr>
-            </a:p>
-          </p:txBody>
-        </p:sp>
-        <p:sp>
-          <p:nvSpPr>
-            <p:cNvPr id="30" name="TextBox 29"/>
-            <p:cNvSpPr txBox="1"/>
-            <p:nvPr/>
-          </p:nvSpPr>
-          <p:spPr>
-            <a:xfrm>
-              <a:off x="3828772" y="6047198"/>
-              <a:ext cx="1108770" cy="261610"/>
-            </a:xfrm>
-            <a:prstGeom prst="rect">
-              <a:avLst/>
-            </a:prstGeom>
-            <a:noFill/>
-          </p:spPr>
-          <p:txBody>
-            <a:bodyPr wrap="square" rtlCol="0">
-              <a:spAutoFit/>
-            </a:bodyPr>
-            <a:lstStyle/>
-            <a:p>
-              <a:r>
-                <a:rPr lang="en-GB" sz="1050" dirty="0">
-                  <a:solidFill>
-                    <a:schemeClr val="bg1"/>
-                  </a:solidFill>
-                </a:rPr>
-                <a:t>Implementation</a:t>
-              </a:r>
-              <a:endParaRPr lang="en-GB" sz="1050" dirty="0">
-                <a:solidFill>
-                  <a:schemeClr val="bg1"/>
-                </a:solidFill>
-              </a:endParaRPr>
-            </a:p>
-          </p:txBody>
-        </p:sp>
-      </p:grpSp>
-      <p:grpSp>
-        <p:nvGrpSpPr>
-          <p:cNvPr id="39" name="Group 38"/>
-          <p:cNvGrpSpPr/>
-          <p:nvPr/>
-        </p:nvGrpSpPr>
-        <p:grpSpPr>
-          <a:xfrm>
-            <a:off x="2690839" y="3409995"/>
-            <a:ext cx="2412274" cy="3152502"/>
-            <a:chOff x="3060230" y="3481839"/>
-            <a:chExt cx="2412274" cy="3152502"/>
-          </a:xfrm>
-        </p:grpSpPr>
-        <p:sp>
-          <p:nvSpPr>
-            <p:cNvPr id="18" name="Arrow: Circular 17"/>
-            <p:cNvSpPr/>
-            <p:nvPr/>
-          </p:nvSpPr>
-          <p:spPr>
-            <a:xfrm rot="16432765">
-              <a:off x="2690116" y="3851953"/>
-              <a:ext cx="3152502" cy="2412274"/>
-            </a:xfrm>
-            <a:prstGeom prst="circularArrow">
-              <a:avLst>
-                <a:gd name="adj1" fmla="val 16691"/>
-                <a:gd name="adj2" fmla="val 1622701"/>
-                <a:gd name="adj3" fmla="val 13585295"/>
-                <a:gd name="adj4" fmla="val 12030347"/>
-                <a:gd name="adj5" fmla="val 16082"/>
-              </a:avLst>
-            </a:prstGeom>
-          </p:spPr>
-          <p:style>
-            <a:lnRef idx="2">
-              <a:schemeClr val="accent3">
-                <a:shade val="50000"/>
-              </a:schemeClr>
-            </a:lnRef>
-            <a:fillRef idx="1">
-              <a:schemeClr val="accent3"/>
-            </a:fillRef>
-            <a:effectRef idx="0">
-              <a:schemeClr val="accent3"/>
-            </a:effectRef>
-            <a:fontRef idx="minor">
-              <a:schemeClr val="lt1"/>
-            </a:fontRef>
-          </p:style>
-          <p:txBody>
-            <a:bodyPr rtlCol="0" anchor="ctr"/>
-            <a:lstStyle/>
-            <a:p>
-              <a:pPr algn="ctr"/>
-              <a:endParaRPr lang="en-GB" dirty="0">
-                <a:solidFill>
-                  <a:schemeClr val="tx1"/>
-                </a:solidFill>
-              </a:endParaRPr>
-            </a:p>
-          </p:txBody>
-        </p:sp>
-        <p:sp>
-          <p:nvSpPr>
-            <p:cNvPr id="32" name="TextBox 31"/>
-            <p:cNvSpPr txBox="1"/>
-            <p:nvPr/>
-          </p:nvSpPr>
-          <p:spPr>
-            <a:xfrm>
-              <a:off x="3219233" y="5425348"/>
-              <a:ext cx="1108770" cy="261610"/>
-            </a:xfrm>
-            <a:prstGeom prst="rect">
-              <a:avLst/>
-            </a:prstGeom>
-            <a:noFill/>
-          </p:spPr>
-          <p:txBody>
-            <a:bodyPr wrap="square" rtlCol="0">
-              <a:spAutoFit/>
-            </a:bodyPr>
-            <a:lstStyle/>
-            <a:p>
-              <a:r>
-                <a:rPr lang="en-GB" sz="1050" dirty="0">
-                  <a:solidFill>
-                    <a:schemeClr val="bg1"/>
-                  </a:solidFill>
-                </a:rPr>
-                <a:t>Testing</a:t>
-              </a:r>
-              <a:endParaRPr lang="en-GB" sz="1050" dirty="0">
-                <a:solidFill>
-                  <a:schemeClr val="bg1"/>
-                </a:solidFill>
-              </a:endParaRPr>
-            </a:p>
-          </p:txBody>
-        </p:sp>
-      </p:grpSp>
-      <p:grpSp>
-        <p:nvGrpSpPr>
-          <p:cNvPr id="40" name="Group 39"/>
-          <p:cNvGrpSpPr/>
-          <p:nvPr/>
-        </p:nvGrpSpPr>
-        <p:grpSpPr>
-          <a:xfrm>
-            <a:off x="2544598" y="3570791"/>
-            <a:ext cx="3152502" cy="2412274"/>
-            <a:chOff x="2877973" y="3681269"/>
-            <a:chExt cx="3152502" cy="2412274"/>
-          </a:xfrm>
-        </p:grpSpPr>
-        <p:sp>
-          <p:nvSpPr>
-            <p:cNvPr id="20" name="Arrow: Circular 19"/>
-            <p:cNvSpPr/>
-            <p:nvPr/>
-          </p:nvSpPr>
-          <p:spPr>
-            <a:xfrm rot="19134619">
-              <a:off x="2877973" y="3681269"/>
-              <a:ext cx="3152502" cy="2412274"/>
-            </a:xfrm>
-            <a:prstGeom prst="circularArrow">
-              <a:avLst>
-                <a:gd name="adj1" fmla="val 16691"/>
-                <a:gd name="adj2" fmla="val 1622701"/>
-                <a:gd name="adj3" fmla="val 13585295"/>
-                <a:gd name="adj4" fmla="val 12030347"/>
-                <a:gd name="adj5" fmla="val 16082"/>
-              </a:avLst>
-            </a:prstGeom>
-          </p:spPr>
-          <p:style>
-            <a:lnRef idx="2">
-              <a:schemeClr val="accent3">
-                <a:shade val="50000"/>
-              </a:schemeClr>
-            </a:lnRef>
-            <a:fillRef idx="1">
-              <a:schemeClr val="accent3"/>
-            </a:fillRef>
-            <a:effectRef idx="0">
-              <a:schemeClr val="accent3"/>
-            </a:effectRef>
-            <a:fontRef idx="minor">
-              <a:schemeClr val="lt1"/>
-            </a:fontRef>
-          </p:style>
-          <p:txBody>
-            <a:bodyPr rtlCol="0" anchor="ctr"/>
-            <a:lstStyle/>
-            <a:p>
-              <a:pPr algn="ctr"/>
-              <a:endParaRPr lang="en-GB" dirty="0">
-                <a:solidFill>
-                  <a:schemeClr val="tx1"/>
-                </a:solidFill>
-              </a:endParaRPr>
-            </a:p>
-          </p:txBody>
-        </p:sp>
-        <p:sp>
-          <p:nvSpPr>
-            <p:cNvPr id="34" name="TextBox 33"/>
-            <p:cNvSpPr txBox="1"/>
-            <p:nvPr/>
-          </p:nvSpPr>
-          <p:spPr>
-            <a:xfrm>
-              <a:off x="3202552" y="4680651"/>
-              <a:ext cx="1108770" cy="261610"/>
-            </a:xfrm>
-            <a:prstGeom prst="rect">
-              <a:avLst/>
-            </a:prstGeom>
-            <a:noFill/>
-          </p:spPr>
-          <p:txBody>
-            <a:bodyPr wrap="square" rtlCol="0">
-              <a:spAutoFit/>
-            </a:bodyPr>
-            <a:lstStyle/>
-            <a:p>
-              <a:r>
-                <a:rPr lang="en-GB" sz="1050" dirty="0">
-                  <a:solidFill>
-                    <a:schemeClr val="bg1"/>
-                  </a:solidFill>
-                </a:rPr>
-                <a:t>Evolution</a:t>
-              </a:r>
-              <a:endParaRPr lang="en-GB" sz="1050" dirty="0">
-                <a:solidFill>
-                  <a:schemeClr val="bg1"/>
-                </a:solidFill>
-              </a:endParaRPr>
-            </a:p>
-          </p:txBody>
-        </p:sp>
-      </p:grpSp>
     </p:spTree>
   </p:cSld>
   <p:clrMapOvr>
@@ -6214,7 +6278,7 @@
                                           </p:stCondLst>
                                         </p:cTn>
                                         <p:tgtEl>
-                                          <p:spTgt spid="35"/>
+                                          <p:spTgt spid="36"/>
                                         </p:tgtEl>
                                         <p:attrNameLst>
                                           <p:attrName>style.visibility</p:attrName>
@@ -6228,7 +6292,7 @@
                                       <p:cBhvr additive="base">
                                         <p:cTn id="7" dur="500" fill="hold"/>
                                         <p:tgtEl>
-                                          <p:spTgt spid="35"/>
+                                          <p:spTgt spid="36"/>
                                         </p:tgtEl>
                                         <p:attrNameLst>
                                           <p:attrName>ppt_x</p:attrName>
@@ -6251,7 +6315,7 @@
                                       <p:cBhvr additive="base">
                                         <p:cTn id="8" dur="500" fill="hold"/>
                                         <p:tgtEl>
-                                          <p:spTgt spid="35"/>
+                                          <p:spTgt spid="36"/>
                                         </p:tgtEl>
                                         <p:attrNameLst>
                                           <p:attrName>ppt_y</p:attrName>
@@ -6305,7 +6369,7 @@
                                           </p:stCondLst>
                                         </p:cTn>
                                         <p:tgtEl>
-                                          <p:spTgt spid="36"/>
+                                          <p:spTgt spid="37"/>
                                         </p:tgtEl>
                                         <p:attrNameLst>
                                           <p:attrName>style.visibility</p:attrName>
@@ -6319,7 +6383,7 @@
                                       <p:cBhvr additive="base">
                                         <p:cTn id="13" dur="500" fill="hold"/>
                                         <p:tgtEl>
-                                          <p:spTgt spid="36"/>
+                                          <p:spTgt spid="37"/>
                                         </p:tgtEl>
                                         <p:attrNameLst>
                                           <p:attrName>ppt_x</p:attrName>
@@ -6342,371 +6406,7 @@
                                       <p:cBhvr additive="base">
                                         <p:cTn id="14" dur="500" fill="hold"/>
                                         <p:tgtEl>
-                                          <p:spTgt spid="36"/>
-                                        </p:tgtEl>
-                                        <p:attrNameLst>
-                                          <p:attrName>ppt_y</p:attrName>
-                                        </p:attrNameLst>
-                                      </p:cBhvr>
-                                      <p:tavLst>
-                                        <p:tav tm="0">
-                                          <p:val>
-                                            <p:strVal val="1+#ppt_h/2"/>
-                                          </p:val>
-                                        </p:tav>
-                                        <p:tav tm="100000">
-                                          <p:val>
-                                            <p:strVal val="#ppt_y"/>
-                                          </p:val>
-                                        </p:tav>
-                                      </p:tavLst>
-                                    </p:anim>
-                                  </p:childTnLst>
-                                </p:cTn>
-                              </p:par>
-                            </p:childTnLst>
-                          </p:cTn>
-                        </p:par>
-                      </p:childTnLst>
-                    </p:cTn>
-                  </p:par>
-                  <p:par>
-                    <p:cTn id="15" fill="hold">
-                      <p:stCondLst>
-                        <p:cond delay="indefinite"/>
-                      </p:stCondLst>
-                      <p:childTnLst>
-                        <p:par>
-                          <p:cTn id="16" fill="hold">
-                            <p:stCondLst>
-                              <p:cond delay="0"/>
-                            </p:stCondLst>
-                            <p:childTnLst>
-                              <p:par>
-                                <p:cTn id="17" presetID="2" presetClass="entr" presetSubtype="4" fill="hold" nodeType="clickEffect">
-                                  <p:stCondLst>
-                                    <p:cond delay="0"/>
-                                  </p:stCondLst>
-                                  <p:childTnLst>
-                                    <p:set>
-                                      <p:cBhvr>
-                                        <p:cTn id="18" dur="1" fill="hold">
-                                          <p:stCondLst>
-                                            <p:cond delay="0"/>
-                                          </p:stCondLst>
-                                        </p:cTn>
-                                        <p:tgtEl>
                                           <p:spTgt spid="37"/>
-                                        </p:tgtEl>
-                                        <p:attrNameLst>
-                                          <p:attrName>style.visibility</p:attrName>
-                                        </p:attrNameLst>
-                                      </p:cBhvr>
-                                      <p:to>
-                                        <p:strVal val="visible"/>
-                                      </p:to>
-                                    </p:set>
-                                    <p:anim calcmode="lin" valueType="num">
-                                      <p:cBhvr additive="base">
-                                        <p:cTn id="19" dur="500" fill="hold"/>
-                                        <p:tgtEl>
-                                          <p:spTgt spid="37"/>
-                                        </p:tgtEl>
-                                        <p:attrNameLst>
-                                          <p:attrName>ppt_x</p:attrName>
-                                        </p:attrNameLst>
-                                      </p:cBhvr>
-                                      <p:tavLst>
-                                        <p:tav tm="0">
-                                          <p:val>
-                                            <p:strVal val="#ppt_x"/>
-                                          </p:val>
-                                        </p:tav>
-                                        <p:tav tm="100000">
-                                          <p:val>
-                                            <p:strVal val="#ppt_x"/>
-                                          </p:val>
-                                        </p:tav>
-                                      </p:tavLst>
-                                    </p:anim>
-                                    <p:anim calcmode="lin" valueType="num">
-                                      <p:cBhvr additive="base">
-                                        <p:cTn id="20" dur="500" fill="hold"/>
-                                        <p:tgtEl>
-                                          <p:spTgt spid="37"/>
-                                        </p:tgtEl>
-                                        <p:attrNameLst>
-                                          <p:attrName>ppt_y</p:attrName>
-                                        </p:attrNameLst>
-                                      </p:cBhvr>
-                                      <p:tavLst>
-                                        <p:tav tm="0">
-                                          <p:val>
-                                            <p:strVal val="1+#ppt_h/2"/>
-                                          </p:val>
-                                        </p:tav>
-                                        <p:tav tm="100000">
-                                          <p:val>
-                                            <p:strVal val="#ppt_y"/>
-                                          </p:val>
-                                        </p:tav>
-                                      </p:tavLst>
-                                    </p:anim>
-                                  </p:childTnLst>
-                                </p:cTn>
-                              </p:par>
-                            </p:childTnLst>
-                          </p:cTn>
-                        </p:par>
-                      </p:childTnLst>
-                    </p:cTn>
-                  </p:par>
-                  <p:par>
-                    <p:cTn id="21" fill="hold">
-                      <p:stCondLst>
-                        <p:cond delay="indefinite"/>
-                      </p:stCondLst>
-                      <p:childTnLst>
-                        <p:par>
-                          <p:cTn id="22" fill="hold">
-                            <p:stCondLst>
-                              <p:cond delay="0"/>
-                            </p:stCondLst>
-                            <p:childTnLst>
-                              <p:par>
-                                <p:cTn id="23" presetID="2" presetClass="entr" presetSubtype="4" fill="hold" nodeType="clickEffect">
-                                  <p:stCondLst>
-                                    <p:cond delay="0"/>
-                                  </p:stCondLst>
-                                  <p:childTnLst>
-                                    <p:set>
-                                      <p:cBhvr>
-                                        <p:cTn id="24" dur="1" fill="hold">
-                                          <p:stCondLst>
-                                            <p:cond delay="0"/>
-                                          </p:stCondLst>
-                                        </p:cTn>
-                                        <p:tgtEl>
-                                          <p:spTgt spid="38"/>
-                                        </p:tgtEl>
-                                        <p:attrNameLst>
-                                          <p:attrName>style.visibility</p:attrName>
-                                        </p:attrNameLst>
-                                      </p:cBhvr>
-                                      <p:to>
-                                        <p:strVal val="visible"/>
-                                      </p:to>
-                                    </p:set>
-                                    <p:anim calcmode="lin" valueType="num">
-                                      <p:cBhvr additive="base">
-                                        <p:cTn id="25" dur="500" fill="hold"/>
-                                        <p:tgtEl>
-                                          <p:spTgt spid="38"/>
-                                        </p:tgtEl>
-                                        <p:attrNameLst>
-                                          <p:attrName>ppt_x</p:attrName>
-                                        </p:attrNameLst>
-                                      </p:cBhvr>
-                                      <p:tavLst>
-                                        <p:tav tm="0">
-                                          <p:val>
-                                            <p:strVal val="#ppt_x"/>
-                                          </p:val>
-                                        </p:tav>
-                                        <p:tav tm="100000">
-                                          <p:val>
-                                            <p:strVal val="#ppt_x"/>
-                                          </p:val>
-                                        </p:tav>
-                                      </p:tavLst>
-                                    </p:anim>
-                                    <p:anim calcmode="lin" valueType="num">
-                                      <p:cBhvr additive="base">
-                                        <p:cTn id="26" dur="500" fill="hold"/>
-                                        <p:tgtEl>
-                                          <p:spTgt spid="38"/>
-                                        </p:tgtEl>
-                                        <p:attrNameLst>
-                                          <p:attrName>ppt_y</p:attrName>
-                                        </p:attrNameLst>
-                                      </p:cBhvr>
-                                      <p:tavLst>
-                                        <p:tav tm="0">
-                                          <p:val>
-                                            <p:strVal val="1+#ppt_h/2"/>
-                                          </p:val>
-                                        </p:tav>
-                                        <p:tav tm="100000">
-                                          <p:val>
-                                            <p:strVal val="#ppt_y"/>
-                                          </p:val>
-                                        </p:tav>
-                                      </p:tavLst>
-                                    </p:anim>
-                                  </p:childTnLst>
-                                </p:cTn>
-                              </p:par>
-                            </p:childTnLst>
-                          </p:cTn>
-                        </p:par>
-                      </p:childTnLst>
-                    </p:cTn>
-                  </p:par>
-                  <p:par>
-                    <p:cTn id="27" fill="hold">
-                      <p:stCondLst>
-                        <p:cond delay="indefinite"/>
-                      </p:stCondLst>
-                      <p:childTnLst>
-                        <p:par>
-                          <p:cTn id="28" fill="hold">
-                            <p:stCondLst>
-                              <p:cond delay="0"/>
-                            </p:stCondLst>
-                            <p:childTnLst>
-                              <p:par>
-                                <p:cTn id="29" presetID="2" presetClass="entr" presetSubtype="4" fill="hold" nodeType="clickEffect">
-                                  <p:stCondLst>
-                                    <p:cond delay="0"/>
-                                  </p:stCondLst>
-                                  <p:childTnLst>
-                                    <p:set>
-                                      <p:cBhvr>
-                                        <p:cTn id="30" dur="1" fill="hold">
-                                          <p:stCondLst>
-                                            <p:cond delay="0"/>
-                                          </p:stCondLst>
-                                        </p:cTn>
-                                        <p:tgtEl>
-                                          <p:spTgt spid="39"/>
-                                        </p:tgtEl>
-                                        <p:attrNameLst>
-                                          <p:attrName>style.visibility</p:attrName>
-                                        </p:attrNameLst>
-                                      </p:cBhvr>
-                                      <p:to>
-                                        <p:strVal val="visible"/>
-                                      </p:to>
-                                    </p:set>
-                                    <p:anim calcmode="lin" valueType="num">
-                                      <p:cBhvr additive="base">
-                                        <p:cTn id="31" dur="500" fill="hold"/>
-                                        <p:tgtEl>
-                                          <p:spTgt spid="39"/>
-                                        </p:tgtEl>
-                                        <p:attrNameLst>
-                                          <p:attrName>ppt_x</p:attrName>
-                                        </p:attrNameLst>
-                                      </p:cBhvr>
-                                      <p:tavLst>
-                                        <p:tav tm="0">
-                                          <p:val>
-                                            <p:strVal val="#ppt_x"/>
-                                          </p:val>
-                                        </p:tav>
-                                        <p:tav tm="100000">
-                                          <p:val>
-                                            <p:strVal val="#ppt_x"/>
-                                          </p:val>
-                                        </p:tav>
-                                      </p:tavLst>
-                                    </p:anim>
-                                    <p:anim calcmode="lin" valueType="num">
-                                      <p:cBhvr additive="base">
-                                        <p:cTn id="32" dur="500" fill="hold"/>
-                                        <p:tgtEl>
-                                          <p:spTgt spid="39"/>
-                                        </p:tgtEl>
-                                        <p:attrNameLst>
-                                          <p:attrName>ppt_y</p:attrName>
-                                        </p:attrNameLst>
-                                      </p:cBhvr>
-                                      <p:tavLst>
-                                        <p:tav tm="0">
-                                          <p:val>
-                                            <p:strVal val="1+#ppt_h/2"/>
-                                          </p:val>
-                                        </p:tav>
-                                        <p:tav tm="100000">
-                                          <p:val>
-                                            <p:strVal val="#ppt_y"/>
-                                          </p:val>
-                                        </p:tav>
-                                      </p:tavLst>
-                                    </p:anim>
-                                  </p:childTnLst>
-                                </p:cTn>
-                              </p:par>
-                            </p:childTnLst>
-                          </p:cTn>
-                        </p:par>
-                      </p:childTnLst>
-                    </p:cTn>
-                  </p:par>
-                  <p:par>
-                    <p:cTn id="33" fill="hold">
-                      <p:stCondLst>
-                        <p:cond delay="indefinite"/>
-                      </p:stCondLst>
-                      <p:childTnLst>
-                        <p:par>
-                          <p:cTn id="34" fill="hold">
-                            <p:stCondLst>
-                              <p:cond delay="0"/>
-                            </p:stCondLst>
-                            <p:childTnLst>
-                              <p:par>
-                                <p:cTn id="35" presetID="2" presetClass="entr" presetSubtype="4" fill="hold" nodeType="clickEffect">
-                                  <p:stCondLst>
-                                    <p:cond delay="0"/>
-                                  </p:stCondLst>
-                                  <p:childTnLst>
-                                    <p:set>
-                                      <p:cBhvr>
-                                        <p:cTn id="36" dur="1" fill="hold">
-                                          <p:stCondLst>
-                                            <p:cond delay="0"/>
-                                          </p:stCondLst>
-                                        </p:cTn>
-                                        <p:tgtEl>
-                                          <p:spTgt spid="40"/>
-                                        </p:tgtEl>
-                                        <p:attrNameLst>
-                                          <p:attrName>style.visibility</p:attrName>
-                                        </p:attrNameLst>
-                                      </p:cBhvr>
-                                      <p:to>
-                                        <p:strVal val="visible"/>
-                                      </p:to>
-                                    </p:set>
-                                    <p:anim calcmode="lin" valueType="num">
-                                      <p:cBhvr additive="base">
-                                        <p:cTn id="37" dur="500" fill="hold"/>
-                                        <p:tgtEl>
-                                          <p:spTgt spid="40"/>
-                                        </p:tgtEl>
-                                        <p:attrNameLst>
-                                          <p:attrName>ppt_x</p:attrName>
-                                        </p:attrNameLst>
-                                      </p:cBhvr>
-                                      <p:tavLst>
-                                        <p:tav tm="0">
-                                          <p:val>
-                                            <p:strVal val="#ppt_x"/>
-                                          </p:val>
-                                        </p:tav>
-                                        <p:tav tm="100000">
-                                          <p:val>
-                                            <p:strVal val="#ppt_x"/>
-                                          </p:val>
-                                        </p:tav>
-                                      </p:tavLst>
-                                    </p:anim>
-                                    <p:anim calcmode="lin" valueType="num">
-                                      <p:cBhvr additive="base">
-                                        <p:cTn id="38" dur="500" fill="hold"/>
-                                        <p:tgtEl>
-                                          <p:spTgt spid="40"/>
                                         </p:tgtEl>
                                         <p:attrNameLst>
                                           <p:attrName>ppt_y</p:attrName>
@@ -6759,140 +6459,6 @@
 </p:sld>
 </file>
 
-<file path=ppt/slides/slide5.xml><?xml version="1.0" encoding="utf-8"?>
-<p:sld xmlns:a="http://schemas.openxmlformats.org/drawingml/2006/main" xmlns:r="http://schemas.openxmlformats.org/officeDocument/2006/relationships" xmlns:p="http://schemas.openxmlformats.org/presentationml/2006/main">
-  <p:cSld>
-    <p:spTree>
-      <p:nvGrpSpPr>
-        <p:cNvPr id="1" name=""/>
-        <p:cNvGrpSpPr/>
-        <p:nvPr/>
-      </p:nvGrpSpPr>
-      <p:grpSpPr>
-        <a:xfrm>
-          <a:off x="0" y="0"/>
-          <a:ext cx="0" cy="0"/>
-          <a:chOff x="0" y="0"/>
-          <a:chExt cx="0" cy="0"/>
-        </a:xfrm>
-      </p:grpSpPr>
-      <p:sp>
-        <p:nvSpPr>
-          <p:cNvPr id="2" name="Title 1"/>
-          <p:cNvSpPr>
-            <a:spLocks noGrp="1"/>
-          </p:cNvSpPr>
-          <p:nvPr>
-            <p:ph type="title"/>
-          </p:nvPr>
-        </p:nvSpPr>
-        <p:spPr/>
-        <p:txBody>
-          <a:bodyPr/>
-          <a:lstStyle/>
-          <a:p>
-            <a:r>
-              <a:rPr lang="en-US" altLang="en-GB" dirty="0"/>
-              <a:t>Commercial awareness</a:t>
-            </a:r>
-            <a:endParaRPr lang="en-US" altLang="en-GB" dirty="0"/>
-          </a:p>
-        </p:txBody>
-      </p:sp>
-      <p:sp>
-        <p:nvSpPr>
-          <p:cNvPr id="3" name="Content Placeholder 2"/>
-          <p:cNvSpPr>
-            <a:spLocks noGrp="1"/>
-          </p:cNvSpPr>
-          <p:nvPr>
-            <p:ph idx="1"/>
-          </p:nvPr>
-        </p:nvSpPr>
-        <p:spPr/>
-        <p:txBody>
-          <a:bodyPr/>
-          <a:lstStyle/>
-          <a:p>
-            <a:pPr marL="0" indent="0">
-              <a:buNone/>
-            </a:pPr>
-            <a:r>
-              <a:rPr lang="en-US" altLang="en-GB" dirty="0"/>
-              <a:t>What competitiors has</a:t>
-            </a:r>
-            <a:endParaRPr lang="en-US" altLang="en-GB" dirty="0"/>
-          </a:p>
-          <a:p>
-            <a:r>
-              <a:rPr lang="en-US" altLang="en-GB" dirty="0"/>
-              <a:t>show the expenses, transaction categories and estimated income,</a:t>
-            </a:r>
-            <a:endParaRPr lang="en-US" altLang="en-GB" dirty="0"/>
-          </a:p>
-          <a:p>
-            <a:r>
-              <a:rPr lang="en-US" altLang="en-GB" dirty="0">
-                <a:sym typeface="+mn-ea"/>
-              </a:rPr>
-              <a:t>manage your payments, subscriptions and pay-outs to the bank</a:t>
-            </a:r>
-            <a:endParaRPr lang="en-US" altLang="en-GB" dirty="0">
-              <a:sym typeface="+mn-ea"/>
-            </a:endParaRPr>
-          </a:p>
-          <a:p>
-            <a:r>
-              <a:rPr lang="en-US" altLang="en-GB" dirty="0">
-                <a:solidFill>
-                  <a:srgbClr val="FFFF00"/>
-                </a:solidFill>
-                <a:sym typeface="+mn-ea"/>
-              </a:rPr>
-              <a:t>None of them offer reminders and explicitly help improve finance habits</a:t>
-            </a:r>
-            <a:endParaRPr lang="en-US" altLang="en-GB" dirty="0">
-              <a:sym typeface="+mn-ea"/>
-            </a:endParaRPr>
-          </a:p>
-          <a:p>
-            <a:pPr marL="0" indent="0">
-              <a:buNone/>
-            </a:pPr>
-            <a:endParaRPr lang="en-US" altLang="en-GB" dirty="0"/>
-          </a:p>
-          <a:p>
-            <a:pPr marL="0" indent="0">
-              <a:buNone/>
-            </a:pPr>
-            <a:endParaRPr lang="en-US" altLang="en-GB" dirty="0"/>
-          </a:p>
-          <a:p>
-            <a:pPr marL="0" indent="0">
-              <a:buNone/>
-            </a:pPr>
-            <a:endParaRPr lang="en-US" altLang="en-GB" dirty="0"/>
-          </a:p>
-          <a:p>
-            <a:endParaRPr lang="en-US" altLang="en-GB" dirty="0"/>
-          </a:p>
-        </p:txBody>
-      </p:sp>
-    </p:spTree>
-  </p:cSld>
-  <p:clrMapOvr>
-    <a:masterClrMapping/>
-  </p:clrMapOvr>
-  <p:timing>
-    <p:tnLst>
-      <p:par>
-        <p:cTn id="1" dur="indefinite" restart="never" nodeType="tmRoot"/>
-      </p:par>
-    </p:tnLst>
-  </p:timing>
-</p:sld>
-</file>
-
 <file path=ppt/slides/slide6.xml><?xml version="1.0" encoding="utf-8"?>
 <p:sld xmlns:a="http://schemas.openxmlformats.org/drawingml/2006/main" xmlns:r="http://schemas.openxmlformats.org/officeDocument/2006/relationships" xmlns:p="http://schemas.openxmlformats.org/presentationml/2006/main">
   <p:cSld>
@@ -6988,6 +6554,12 @@
     <a:masterClrMapping/>
   </p:clrMapOvr>
 </p:sld>
+</file>
+
+<file path=ppt/tags/tag1.xml><?xml version="1.0" encoding="utf-8"?>
+<p:tagLst xmlns:p="http://schemas.openxmlformats.org/presentationml/2006/main">
+  <p:tag name="KSO_WM_SLIDE_MODEL_TYPE" val="cover"/>
+</p:tagLst>
 </file>
 
 <file path=ppt/theme/theme1.xml><?xml version="1.0" encoding="utf-8"?>
